--- a/week-01/day-5/w1pr.pptx
+++ b/week-01/day-5/w1pr.pptx
@@ -295,6 +295,7 @@
           <a:p>
             <a:fld id="{460F9662-45DB-4F6A-AF5D-1780AE16667B}" type="datetimeFigureOut">
               <a:rPr lang="hu-HU" smtClean="0"/>
+              <a:pPr/>
               <a:t>2017.10.06.</a:t>
             </a:fld>
             <a:endParaRPr lang="hu-HU"/>
@@ -337,6 +338,7 @@
           <a:p>
             <a:fld id="{38ADC945-E6F3-4F56-9C7F-BC1AA74EF01A}" type="slidenum">
               <a:rPr lang="hu-HU" smtClean="0"/>
+              <a:pPr/>
               <a:t>‹#›</a:t>
             </a:fld>
             <a:endParaRPr lang="hu-HU"/>
@@ -460,6 +462,7 @@
           <a:p>
             <a:fld id="{460F9662-45DB-4F6A-AF5D-1780AE16667B}" type="datetimeFigureOut">
               <a:rPr lang="hu-HU" smtClean="0"/>
+              <a:pPr/>
               <a:t>2017.10.06.</a:t>
             </a:fld>
             <a:endParaRPr lang="hu-HU"/>
@@ -502,6 +505,7 @@
           <a:p>
             <a:fld id="{38ADC945-E6F3-4F56-9C7F-BC1AA74EF01A}" type="slidenum">
               <a:rPr lang="hu-HU" smtClean="0"/>
+              <a:pPr/>
               <a:t>‹#›</a:t>
             </a:fld>
             <a:endParaRPr lang="hu-HU"/>
@@ -635,6 +639,7 @@
           <a:p>
             <a:fld id="{460F9662-45DB-4F6A-AF5D-1780AE16667B}" type="datetimeFigureOut">
               <a:rPr lang="hu-HU" smtClean="0"/>
+              <a:pPr/>
               <a:t>2017.10.06.</a:t>
             </a:fld>
             <a:endParaRPr lang="hu-HU"/>
@@ -677,6 +682,7 @@
           <a:p>
             <a:fld id="{38ADC945-E6F3-4F56-9C7F-BC1AA74EF01A}" type="slidenum">
               <a:rPr lang="hu-HU" smtClean="0"/>
+              <a:pPr/>
               <a:t>‹#›</a:t>
             </a:fld>
             <a:endParaRPr lang="hu-HU"/>
@@ -800,6 +806,7 @@
           <a:p>
             <a:fld id="{460F9662-45DB-4F6A-AF5D-1780AE16667B}" type="datetimeFigureOut">
               <a:rPr lang="hu-HU" smtClean="0"/>
+              <a:pPr/>
               <a:t>2017.10.06.</a:t>
             </a:fld>
             <a:endParaRPr lang="hu-HU"/>
@@ -842,6 +849,7 @@
           <a:p>
             <a:fld id="{38ADC945-E6F3-4F56-9C7F-BC1AA74EF01A}" type="slidenum">
               <a:rPr lang="hu-HU" smtClean="0"/>
+              <a:pPr/>
               <a:t>‹#›</a:t>
             </a:fld>
             <a:endParaRPr lang="hu-HU"/>
@@ -1041,6 +1049,7 @@
           <a:p>
             <a:fld id="{460F9662-45DB-4F6A-AF5D-1780AE16667B}" type="datetimeFigureOut">
               <a:rPr lang="hu-HU" smtClean="0"/>
+              <a:pPr/>
               <a:t>2017.10.06.</a:t>
             </a:fld>
             <a:endParaRPr lang="hu-HU"/>
@@ -1083,6 +1092,7 @@
           <a:p>
             <a:fld id="{38ADC945-E6F3-4F56-9C7F-BC1AA74EF01A}" type="slidenum">
               <a:rPr lang="hu-HU" smtClean="0"/>
+              <a:pPr/>
               <a:t>‹#›</a:t>
             </a:fld>
             <a:endParaRPr lang="hu-HU"/>
@@ -1324,6 +1334,7 @@
           <a:p>
             <a:fld id="{460F9662-45DB-4F6A-AF5D-1780AE16667B}" type="datetimeFigureOut">
               <a:rPr lang="hu-HU" smtClean="0"/>
+              <a:pPr/>
               <a:t>2017.10.06.</a:t>
             </a:fld>
             <a:endParaRPr lang="hu-HU"/>
@@ -1366,6 +1377,7 @@
           <a:p>
             <a:fld id="{38ADC945-E6F3-4F56-9C7F-BC1AA74EF01A}" type="slidenum">
               <a:rPr lang="hu-HU" smtClean="0"/>
+              <a:pPr/>
               <a:t>‹#›</a:t>
             </a:fld>
             <a:endParaRPr lang="hu-HU"/>
@@ -1741,6 +1753,7 @@
           <a:p>
             <a:fld id="{460F9662-45DB-4F6A-AF5D-1780AE16667B}" type="datetimeFigureOut">
               <a:rPr lang="hu-HU" smtClean="0"/>
+              <a:pPr/>
               <a:t>2017.10.06.</a:t>
             </a:fld>
             <a:endParaRPr lang="hu-HU"/>
@@ -1783,6 +1796,7 @@
           <a:p>
             <a:fld id="{38ADC945-E6F3-4F56-9C7F-BC1AA74EF01A}" type="slidenum">
               <a:rPr lang="hu-HU" smtClean="0"/>
+              <a:pPr/>
               <a:t>‹#›</a:t>
             </a:fld>
             <a:endParaRPr lang="hu-HU"/>
@@ -1854,6 +1868,7 @@
           <a:p>
             <a:fld id="{460F9662-45DB-4F6A-AF5D-1780AE16667B}" type="datetimeFigureOut">
               <a:rPr lang="hu-HU" smtClean="0"/>
+              <a:pPr/>
               <a:t>2017.10.06.</a:t>
             </a:fld>
             <a:endParaRPr lang="hu-HU"/>
@@ -1896,6 +1911,7 @@
           <a:p>
             <a:fld id="{38ADC945-E6F3-4F56-9C7F-BC1AA74EF01A}" type="slidenum">
               <a:rPr lang="hu-HU" smtClean="0"/>
+              <a:pPr/>
               <a:t>‹#›</a:t>
             </a:fld>
             <a:endParaRPr lang="hu-HU"/>
@@ -1944,6 +1960,7 @@
           <a:p>
             <a:fld id="{460F9662-45DB-4F6A-AF5D-1780AE16667B}" type="datetimeFigureOut">
               <a:rPr lang="hu-HU" smtClean="0"/>
+              <a:pPr/>
               <a:t>2017.10.06.</a:t>
             </a:fld>
             <a:endParaRPr lang="hu-HU"/>
@@ -1986,6 +2003,7 @@
           <a:p>
             <a:fld id="{38ADC945-E6F3-4F56-9C7F-BC1AA74EF01A}" type="slidenum">
               <a:rPr lang="hu-HU" smtClean="0"/>
+              <a:pPr/>
               <a:t>‹#›</a:t>
             </a:fld>
             <a:endParaRPr lang="hu-HU"/>
@@ -2216,6 +2234,7 @@
           <a:p>
             <a:fld id="{460F9662-45DB-4F6A-AF5D-1780AE16667B}" type="datetimeFigureOut">
               <a:rPr lang="hu-HU" smtClean="0"/>
+              <a:pPr/>
               <a:t>2017.10.06.</a:t>
             </a:fld>
             <a:endParaRPr lang="hu-HU"/>
@@ -2258,6 +2277,7 @@
           <a:p>
             <a:fld id="{38ADC945-E6F3-4F56-9C7F-BC1AA74EF01A}" type="slidenum">
               <a:rPr lang="hu-HU" smtClean="0"/>
+              <a:pPr/>
               <a:t>‹#›</a:t>
             </a:fld>
             <a:endParaRPr lang="hu-HU"/>
@@ -2464,6 +2484,7 @@
           <a:p>
             <a:fld id="{460F9662-45DB-4F6A-AF5D-1780AE16667B}" type="datetimeFigureOut">
               <a:rPr lang="hu-HU" smtClean="0"/>
+              <a:pPr/>
               <a:t>2017.10.06.</a:t>
             </a:fld>
             <a:endParaRPr lang="hu-HU"/>
@@ -2506,6 +2527,7 @@
           <a:p>
             <a:fld id="{38ADC945-E6F3-4F56-9C7F-BC1AA74EF01A}" type="slidenum">
               <a:rPr lang="hu-HU" smtClean="0"/>
+              <a:pPr/>
               <a:t>‹#›</a:t>
             </a:fld>
             <a:endParaRPr lang="hu-HU"/>
@@ -2672,6 +2694,7 @@
           <a:p>
             <a:fld id="{460F9662-45DB-4F6A-AF5D-1780AE16667B}" type="datetimeFigureOut">
               <a:rPr lang="hu-HU" smtClean="0"/>
+              <a:pPr/>
               <a:t>2017.10.06.</a:t>
             </a:fld>
             <a:endParaRPr lang="hu-HU"/>
@@ -2750,6 +2773,7 @@
           <a:p>
             <a:fld id="{38ADC945-E6F3-4F56-9C7F-BC1AA74EF01A}" type="slidenum">
               <a:rPr lang="hu-HU" smtClean="0"/>
+              <a:pPr/>
               <a:t>‹#›</a:t>
             </a:fld>
             <a:endParaRPr lang="hu-HU"/>
@@ -3042,36 +3066,6 @@
           <a:chExt cx="0" cy="0"/>
         </a:xfrm>
       </p:grpSpPr>
-      <p:sp>
-        <p:nvSpPr>
-          <p:cNvPr id="20482" name="AutoShape 2" descr="Képtalálat a következőre: „greenfox”"/>
-          <p:cNvSpPr>
-            <a:spLocks noChangeAspect="1" noChangeArrowheads="1"/>
-          </p:cNvSpPr>
-          <p:nvPr/>
-        </p:nvSpPr>
-        <p:spPr bwMode="auto">
-          <a:xfrm>
-            <a:off x="155575" y="-144463"/>
-            <a:ext cx="304800" cy="304801"/>
-          </a:xfrm>
-          <a:prstGeom prst="rect">
-            <a:avLst/>
-          </a:prstGeom>
-          <a:noFill/>
-        </p:spPr>
-        <p:txBody>
-          <a:bodyPr vert="horz" wrap="square" lIns="91440" tIns="45720" rIns="91440" bIns="45720" numCol="1" anchor="t" anchorCtr="0" compatLnSpc="1">
-            <a:prstTxWarp prst="textNoShape">
-              <a:avLst/>
-            </a:prstTxWarp>
-          </a:bodyPr>
-          <a:lstStyle/>
-          <a:p>
-            <a:endParaRPr lang="hu-HU"/>
-          </a:p>
-        </p:txBody>
-      </p:sp>
       <p:pic>
         <p:nvPicPr>
           <p:cNvPr id="20484" name="Picture 4" descr="Képtalálat a következőre: „greenfox”"/>
@@ -3221,66 +3215,6 @@
           <a:chExt cx="0" cy="0"/>
         </a:xfrm>
       </p:grpSpPr>
-      <p:sp>
-        <p:nvSpPr>
-          <p:cNvPr id="20482" name="AutoShape 2" descr="Képtalálat a következőre: „greenfox”"/>
-          <p:cNvSpPr>
-            <a:spLocks noChangeAspect="1" noChangeArrowheads="1"/>
-          </p:cNvSpPr>
-          <p:nvPr/>
-        </p:nvSpPr>
-        <p:spPr bwMode="auto">
-          <a:xfrm>
-            <a:off x="155575" y="-144463"/>
-            <a:ext cx="304800" cy="304801"/>
-          </a:xfrm>
-          <a:prstGeom prst="rect">
-            <a:avLst/>
-          </a:prstGeom>
-          <a:noFill/>
-        </p:spPr>
-        <p:txBody>
-          <a:bodyPr vert="horz" wrap="square" lIns="91440" tIns="45720" rIns="91440" bIns="45720" numCol="1" anchor="t" anchorCtr="0" compatLnSpc="1">
-            <a:prstTxWarp prst="textNoShape">
-              <a:avLst/>
-            </a:prstTxWarp>
-          </a:bodyPr>
-          <a:lstStyle/>
-          <a:p>
-            <a:endParaRPr lang="hu-HU"/>
-          </a:p>
-        </p:txBody>
-      </p:sp>
-      <p:sp>
-        <p:nvSpPr>
-          <p:cNvPr id="21506" name="AutoShape 2" descr="Képtalálat a következőre: „foxhole”"/>
-          <p:cNvSpPr>
-            <a:spLocks noChangeAspect="1" noChangeArrowheads="1"/>
-          </p:cNvSpPr>
-          <p:nvPr/>
-        </p:nvSpPr>
-        <p:spPr bwMode="auto">
-          <a:xfrm>
-            <a:off x="155575" y="-144463"/>
-            <a:ext cx="304800" cy="304801"/>
-          </a:xfrm>
-          <a:prstGeom prst="rect">
-            <a:avLst/>
-          </a:prstGeom>
-          <a:noFill/>
-        </p:spPr>
-        <p:txBody>
-          <a:bodyPr vert="horz" wrap="square" lIns="91440" tIns="45720" rIns="91440" bIns="45720" numCol="1" anchor="t" anchorCtr="0" compatLnSpc="1">
-            <a:prstTxWarp prst="textNoShape">
-              <a:avLst/>
-            </a:prstTxWarp>
-          </a:bodyPr>
-          <a:lstStyle/>
-          <a:p>
-            <a:endParaRPr lang="hu-HU"/>
-          </a:p>
-        </p:txBody>
-      </p:sp>
       <p:pic>
         <p:nvPicPr>
           <p:cNvPr id="21507" name="Picture 3" descr="C:\Documents and Settings\Andris\Asztal\Foxhole.jpg"/>
@@ -3639,66 +3573,6 @@
           </a:ln>
         </p:spPr>
       </p:pic>
-      <p:sp>
-        <p:nvSpPr>
-          <p:cNvPr id="1029" name="AutoShape 5" descr="Képtalálat a következőre: „github monster”"/>
-          <p:cNvSpPr>
-            <a:spLocks noChangeAspect="1" noChangeArrowheads="1"/>
-          </p:cNvSpPr>
-          <p:nvPr/>
-        </p:nvSpPr>
-        <p:spPr bwMode="auto">
-          <a:xfrm>
-            <a:off x="155575" y="-144463"/>
-            <a:ext cx="304800" cy="304801"/>
-          </a:xfrm>
-          <a:prstGeom prst="rect">
-            <a:avLst/>
-          </a:prstGeom>
-          <a:noFill/>
-        </p:spPr>
-        <p:txBody>
-          <a:bodyPr vert="horz" wrap="square" lIns="91440" tIns="45720" rIns="91440" bIns="45720" numCol="1" anchor="t" anchorCtr="0" compatLnSpc="1">
-            <a:prstTxWarp prst="textNoShape">
-              <a:avLst/>
-            </a:prstTxWarp>
-          </a:bodyPr>
-          <a:lstStyle/>
-          <a:p>
-            <a:endParaRPr lang="hu-HU"/>
-          </a:p>
-        </p:txBody>
-      </p:sp>
-      <p:sp>
-        <p:nvSpPr>
-          <p:cNvPr id="1031" name="AutoShape 7" descr="Képtalálat a következőre: „github monster”"/>
-          <p:cNvSpPr>
-            <a:spLocks noChangeAspect="1" noChangeArrowheads="1"/>
-          </p:cNvSpPr>
-          <p:nvPr/>
-        </p:nvSpPr>
-        <p:spPr bwMode="auto">
-          <a:xfrm>
-            <a:off x="155575" y="-144463"/>
-            <a:ext cx="304800" cy="304801"/>
-          </a:xfrm>
-          <a:prstGeom prst="rect">
-            <a:avLst/>
-          </a:prstGeom>
-          <a:noFill/>
-        </p:spPr>
-        <p:txBody>
-          <a:bodyPr vert="horz" wrap="square" lIns="91440" tIns="45720" rIns="91440" bIns="45720" numCol="1" anchor="t" anchorCtr="0" compatLnSpc="1">
-            <a:prstTxWarp prst="textNoShape">
-              <a:avLst/>
-            </a:prstTxWarp>
-          </a:bodyPr>
-          <a:lstStyle/>
-          <a:p>
-            <a:endParaRPr lang="hu-HU"/>
-          </a:p>
-        </p:txBody>
-      </p:sp>
       <p:pic>
         <p:nvPicPr>
           <p:cNvPr id="1032" name="Picture 8" descr="C:\Documents and Settings\Andris\Asztal\letöltés.png"/>
@@ -4460,66 +4334,6 @@
           <a:noFill/>
         </p:spPr>
       </p:pic>
-      <p:sp>
-        <p:nvSpPr>
-          <p:cNvPr id="5124" name="AutoShape 4" descr="Képtalálat a következőre: „odd even”"/>
-          <p:cNvSpPr>
-            <a:spLocks noChangeAspect="1" noChangeArrowheads="1"/>
-          </p:cNvSpPr>
-          <p:nvPr/>
-        </p:nvSpPr>
-        <p:spPr bwMode="auto">
-          <a:xfrm>
-            <a:off x="155575" y="-144463"/>
-            <a:ext cx="304800" cy="304801"/>
-          </a:xfrm>
-          <a:prstGeom prst="rect">
-            <a:avLst/>
-          </a:prstGeom>
-          <a:noFill/>
-        </p:spPr>
-        <p:txBody>
-          <a:bodyPr vert="horz" wrap="square" lIns="91440" tIns="45720" rIns="91440" bIns="45720" numCol="1" anchor="t" anchorCtr="0" compatLnSpc="1">
-            <a:prstTxWarp prst="textNoShape">
-              <a:avLst/>
-            </a:prstTxWarp>
-          </a:bodyPr>
-          <a:lstStyle/>
-          <a:p>
-            <a:endParaRPr lang="hu-HU"/>
-          </a:p>
-        </p:txBody>
-      </p:sp>
-      <p:sp>
-        <p:nvSpPr>
-          <p:cNvPr id="5126" name="AutoShape 6" descr="Képtalálat a következőre: „odd even”"/>
-          <p:cNvSpPr>
-            <a:spLocks noChangeAspect="1" noChangeArrowheads="1"/>
-          </p:cNvSpPr>
-          <p:nvPr/>
-        </p:nvSpPr>
-        <p:spPr bwMode="auto">
-          <a:xfrm>
-            <a:off x="155575" y="-144463"/>
-            <a:ext cx="304800" cy="304801"/>
-          </a:xfrm>
-          <a:prstGeom prst="rect">
-            <a:avLst/>
-          </a:prstGeom>
-          <a:noFill/>
-        </p:spPr>
-        <p:txBody>
-          <a:bodyPr vert="horz" wrap="square" lIns="91440" tIns="45720" rIns="91440" bIns="45720" numCol="1" anchor="t" anchorCtr="0" compatLnSpc="1">
-            <a:prstTxWarp prst="textNoShape">
-              <a:avLst/>
-            </a:prstTxWarp>
-          </a:bodyPr>
-          <a:lstStyle/>
-          <a:p>
-            <a:endParaRPr lang="hu-HU"/>
-          </a:p>
-        </p:txBody>
-      </p:sp>
       <p:pic>
         <p:nvPicPr>
           <p:cNvPr id="5128" name="Picture 8" descr="Képtalálat a következőre: „odd even”"/>
@@ -4572,156 +4386,6 @@
           <a:noFill/>
         </p:spPr>
       </p:pic>
-      <p:sp>
-        <p:nvSpPr>
-          <p:cNvPr id="5134" name="AutoShape 14" descr="Képtalálat a következőre: „commit”"/>
-          <p:cNvSpPr>
-            <a:spLocks noChangeAspect="1" noChangeArrowheads="1"/>
-          </p:cNvSpPr>
-          <p:nvPr/>
-        </p:nvSpPr>
-        <p:spPr bwMode="auto">
-          <a:xfrm>
-            <a:off x="155575" y="-144463"/>
-            <a:ext cx="304800" cy="304801"/>
-          </a:xfrm>
-          <a:prstGeom prst="rect">
-            <a:avLst/>
-          </a:prstGeom>
-          <a:noFill/>
-        </p:spPr>
-        <p:txBody>
-          <a:bodyPr vert="horz" wrap="square" lIns="91440" tIns="45720" rIns="91440" bIns="45720" numCol="1" anchor="t" anchorCtr="0" compatLnSpc="1">
-            <a:prstTxWarp prst="textNoShape">
-              <a:avLst/>
-            </a:prstTxWarp>
-          </a:bodyPr>
-          <a:lstStyle/>
-          <a:p>
-            <a:endParaRPr lang="hu-HU"/>
-          </a:p>
-        </p:txBody>
-      </p:sp>
-      <p:sp>
-        <p:nvSpPr>
-          <p:cNvPr id="5136" name="AutoShape 16" descr="Képtalálat a következőre: „commit”"/>
-          <p:cNvSpPr>
-            <a:spLocks noChangeAspect="1" noChangeArrowheads="1"/>
-          </p:cNvSpPr>
-          <p:nvPr/>
-        </p:nvSpPr>
-        <p:spPr bwMode="auto">
-          <a:xfrm>
-            <a:off x="155575" y="-144463"/>
-            <a:ext cx="304800" cy="304801"/>
-          </a:xfrm>
-          <a:prstGeom prst="rect">
-            <a:avLst/>
-          </a:prstGeom>
-          <a:noFill/>
-        </p:spPr>
-        <p:txBody>
-          <a:bodyPr vert="horz" wrap="square" lIns="91440" tIns="45720" rIns="91440" bIns="45720" numCol="1" anchor="t" anchorCtr="0" compatLnSpc="1">
-            <a:prstTxWarp prst="textNoShape">
-              <a:avLst/>
-            </a:prstTxWarp>
-          </a:bodyPr>
-          <a:lstStyle/>
-          <a:p>
-            <a:endParaRPr lang="hu-HU"/>
-          </a:p>
-        </p:txBody>
-      </p:sp>
-      <p:sp>
-        <p:nvSpPr>
-          <p:cNvPr id="5138" name="AutoShape 18" descr="Képtalálat a következőre: „commit”"/>
-          <p:cNvSpPr>
-            <a:spLocks noChangeAspect="1" noChangeArrowheads="1"/>
-          </p:cNvSpPr>
-          <p:nvPr/>
-        </p:nvSpPr>
-        <p:spPr bwMode="auto">
-          <a:xfrm>
-            <a:off x="155575" y="-144463"/>
-            <a:ext cx="304800" cy="304801"/>
-          </a:xfrm>
-          <a:prstGeom prst="rect">
-            <a:avLst/>
-          </a:prstGeom>
-          <a:noFill/>
-        </p:spPr>
-        <p:txBody>
-          <a:bodyPr vert="horz" wrap="square" lIns="91440" tIns="45720" rIns="91440" bIns="45720" numCol="1" anchor="t" anchorCtr="0" compatLnSpc="1">
-            <a:prstTxWarp prst="textNoShape">
-              <a:avLst/>
-            </a:prstTxWarp>
-          </a:bodyPr>
-          <a:lstStyle/>
-          <a:p>
-            <a:endParaRPr lang="hu-HU"/>
-          </a:p>
-        </p:txBody>
-      </p:sp>
-      <p:sp>
-        <p:nvSpPr>
-          <p:cNvPr id="5141" name="AutoShape 21" descr="Képtalálat a következőre: „Dividend Remainder”"/>
-          <p:cNvSpPr>
-            <a:spLocks noChangeAspect="1" noChangeArrowheads="1"/>
-          </p:cNvSpPr>
-          <p:nvPr/>
-        </p:nvSpPr>
-        <p:spPr bwMode="auto">
-          <a:xfrm>
-            <a:off x="155575" y="-144463"/>
-            <a:ext cx="304800" cy="304801"/>
-          </a:xfrm>
-          <a:prstGeom prst="rect">
-            <a:avLst/>
-          </a:prstGeom>
-          <a:noFill/>
-        </p:spPr>
-        <p:txBody>
-          <a:bodyPr vert="horz" wrap="square" lIns="91440" tIns="45720" rIns="91440" bIns="45720" numCol="1" anchor="t" anchorCtr="0" compatLnSpc="1">
-            <a:prstTxWarp prst="textNoShape">
-              <a:avLst/>
-            </a:prstTxWarp>
-          </a:bodyPr>
-          <a:lstStyle/>
-          <a:p>
-            <a:endParaRPr lang="hu-HU"/>
-          </a:p>
-        </p:txBody>
-      </p:sp>
-      <p:sp>
-        <p:nvSpPr>
-          <p:cNvPr id="5143" name="AutoShape 23" descr="Képtalálat a következőre: „Dividend Remainder”"/>
-          <p:cNvSpPr>
-            <a:spLocks noChangeAspect="1" noChangeArrowheads="1"/>
-          </p:cNvSpPr>
-          <p:nvPr/>
-        </p:nvSpPr>
-        <p:spPr bwMode="auto">
-          <a:xfrm>
-            <a:off x="155575" y="-144463"/>
-            <a:ext cx="304800" cy="304801"/>
-          </a:xfrm>
-          <a:prstGeom prst="rect">
-            <a:avLst/>
-          </a:prstGeom>
-          <a:noFill/>
-        </p:spPr>
-        <p:txBody>
-          <a:bodyPr vert="horz" wrap="square" lIns="91440" tIns="45720" rIns="91440" bIns="45720" numCol="1" anchor="t" anchorCtr="0" compatLnSpc="1">
-            <a:prstTxWarp prst="textNoShape">
-              <a:avLst/>
-            </a:prstTxWarp>
-          </a:bodyPr>
-          <a:lstStyle/>
-          <a:p>
-            <a:endParaRPr lang="hu-HU"/>
-          </a:p>
-        </p:txBody>
-      </p:sp>
       <p:pic>
         <p:nvPicPr>
           <p:cNvPr id="5146" name="Picture 26" descr="Képtalálat a következőre: „Dividend Remainder”"/>
@@ -5302,96 +4966,6 @@
           <a:chExt cx="0" cy="0"/>
         </a:xfrm>
       </p:grpSpPr>
-      <p:sp>
-        <p:nvSpPr>
-          <p:cNvPr id="19458" name="AutoShape 2" descr="Képtalálat a következőre: „code review”"/>
-          <p:cNvSpPr>
-            <a:spLocks noChangeAspect="1" noChangeArrowheads="1"/>
-          </p:cNvSpPr>
-          <p:nvPr/>
-        </p:nvSpPr>
-        <p:spPr bwMode="auto">
-          <a:xfrm>
-            <a:off x="155575" y="-144463"/>
-            <a:ext cx="304800" cy="304801"/>
-          </a:xfrm>
-          <a:prstGeom prst="rect">
-            <a:avLst/>
-          </a:prstGeom>
-          <a:noFill/>
-        </p:spPr>
-        <p:txBody>
-          <a:bodyPr vert="horz" wrap="square" lIns="91440" tIns="45720" rIns="91440" bIns="45720" numCol="1" anchor="t" anchorCtr="0" compatLnSpc="1">
-            <a:prstTxWarp prst="textNoShape">
-              <a:avLst/>
-            </a:prstTxWarp>
-          </a:bodyPr>
-          <a:lstStyle/>
-          <a:p>
-            <a:endParaRPr lang="hu-HU"/>
-          </a:p>
-        </p:txBody>
-      </p:sp>
-      <p:sp>
-        <p:nvSpPr>
-          <p:cNvPr id="19460" name="AutoShape 4" descr="Képtalálat a következőre: „code review”"/>
-          <p:cNvSpPr>
-            <a:spLocks noChangeAspect="1" noChangeArrowheads="1"/>
-          </p:cNvSpPr>
-          <p:nvPr/>
-        </p:nvSpPr>
-        <p:spPr bwMode="auto">
-          <a:xfrm>
-            <a:off x="155575" y="-144463"/>
-            <a:ext cx="304800" cy="304801"/>
-          </a:xfrm>
-          <a:prstGeom prst="rect">
-            <a:avLst/>
-          </a:prstGeom>
-          <a:noFill/>
-        </p:spPr>
-        <p:txBody>
-          <a:bodyPr vert="horz" wrap="square" lIns="91440" tIns="45720" rIns="91440" bIns="45720" numCol="1" anchor="t" anchorCtr="0" compatLnSpc="1">
-            <a:prstTxWarp prst="textNoShape">
-              <a:avLst/>
-            </a:prstTxWarp>
-          </a:bodyPr>
-          <a:lstStyle/>
-          <a:p>
-            <a:endParaRPr lang="hu-HU"/>
-          </a:p>
-        </p:txBody>
-      </p:sp>
-      <p:sp>
-        <p:nvSpPr>
-          <p:cNvPr id="19462" name="AutoShape 6" descr="Képtalálat a következőre: „code review”"/>
-          <p:cNvSpPr>
-            <a:spLocks noChangeAspect="1" noChangeArrowheads="1"/>
-          </p:cNvSpPr>
-          <p:nvPr/>
-        </p:nvSpPr>
-        <p:spPr bwMode="auto">
-          <a:xfrm>
-            <a:off x="155575" y="-144463"/>
-            <a:ext cx="304800" cy="304801"/>
-          </a:xfrm>
-          <a:prstGeom prst="rect">
-            <a:avLst/>
-          </a:prstGeom>
-          <a:noFill/>
-        </p:spPr>
-        <p:txBody>
-          <a:bodyPr vert="horz" wrap="square" lIns="91440" tIns="45720" rIns="91440" bIns="45720" numCol="1" anchor="t" anchorCtr="0" compatLnSpc="1">
-            <a:prstTxWarp prst="textNoShape">
-              <a:avLst/>
-            </a:prstTxWarp>
-          </a:bodyPr>
-          <a:lstStyle/>
-          <a:p>
-            <a:endParaRPr lang="hu-HU"/>
-          </a:p>
-        </p:txBody>
-      </p:sp>
       <p:pic>
         <p:nvPicPr>
           <p:cNvPr id="19463" name="Picture 7" descr="C:\Documents and Settings\Andris\Asztal\r_142619_MFMQH.jpg"/>

--- a/week-01/day-5/w1pr.pptx
+++ b/week-01/day-5/w1pr.pptx
@@ -3176,6 +3176,68 @@
               <a:t>week</a:t>
             </a:r>
             <a:endParaRPr lang="hu-HU" sz="3600" b="1" dirty="0">
+              <a:solidFill>
+                <a:schemeClr val="bg1"/>
+              </a:solidFill>
+            </a:endParaRPr>
+          </a:p>
+        </p:txBody>
+      </p:sp>
+      <p:sp>
+        <p:nvSpPr>
+          <p:cNvPr id="4" name="Lekerekített téglalap 3"/>
+          <p:cNvSpPr/>
+          <p:nvPr/>
+        </p:nvSpPr>
+        <p:spPr>
+          <a:xfrm>
+            <a:off x="6372200" y="5733256"/>
+            <a:ext cx="2592288" cy="864096"/>
+          </a:xfrm>
+          <a:prstGeom prst="roundRect">
+            <a:avLst/>
+          </a:prstGeom>
+          <a:solidFill>
+            <a:srgbClr val="57A71C"/>
+          </a:solidFill>
+        </p:spPr>
+        <p:style>
+          <a:lnRef idx="2">
+            <a:schemeClr val="accent1">
+              <a:shade val="50000"/>
+            </a:schemeClr>
+          </a:lnRef>
+          <a:fillRef idx="1">
+            <a:schemeClr val="accent1"/>
+          </a:fillRef>
+          <a:effectRef idx="0">
+            <a:schemeClr val="accent1"/>
+          </a:effectRef>
+          <a:fontRef idx="minor">
+            <a:schemeClr val="lt1"/>
+          </a:fontRef>
+        </p:style>
+        <p:txBody>
+          <a:bodyPr rtlCol="0" anchor="ctr"/>
+          <a:lstStyle/>
+          <a:p>
+            <a:pPr algn="ctr"/>
+            <a:r>
+              <a:rPr lang="hu-HU" sz="2000" b="1" dirty="0" smtClean="0"/>
+              <a:t>András Pásztor</a:t>
+            </a:r>
+          </a:p>
+          <a:p>
+            <a:pPr algn="ctr"/>
+            <a:r>
+              <a:rPr lang="hu-HU" sz="2000" b="1" dirty="0" smtClean="0">
+                <a:solidFill>
+                  <a:schemeClr val="bg1"/>
+                </a:solidFill>
+              </a:rPr>
+              <a:t>06.10.2017</a:t>
+            </a:r>
+            <a:endParaRPr lang="hu-HU" sz="2000" b="1" dirty="0">
               <a:solidFill>
                 <a:schemeClr val="bg1"/>
               </a:solidFill>
